--- a/ctech401/CTECH401_Combined-Slides.pptx
+++ b/ctech401/CTECH401_Combined-Slides.pptx
@@ -431,7 +431,7 @@
           <a:p>
             <a:fld id="{1778ACD8-6E14-F146-9986-2DDB8F18C1FA}" type="datetimeFigureOut">
               <a:rPr lang="en-US" smtClean="0"/>
-              <a:t>3/4/19</a:t>
+              <a:t>3/7/19</a:t>
             </a:fld>
             <a:endParaRPr lang="en-US"/>
           </a:p>
@@ -7069,7 +7069,7 @@
                   <a:schemeClr val="bg1"/>
                 </a:solidFill>
               </a:rPr>
-              <a:t>CTECH401_M2_05</a:t>
+              <a:t>CTECH401_M2_04</a:t>
             </a:r>
           </a:p>
           <a:p>
@@ -7876,7 +7876,7 @@
                   <a:schemeClr val="bg1"/>
                 </a:solidFill>
               </a:rPr>
-              <a:t>CTECH401_M2_06</a:t>
+              <a:t>CTECH401_M2_05</a:t>
             </a:r>
           </a:p>
           <a:p>
@@ -9356,7 +9356,7 @@
                   <a:schemeClr val="bg1"/>
                 </a:solidFill>
               </a:rPr>
-              <a:t>CTECH401_M2_07</a:t>
+              <a:t>CTECH401_M2_06</a:t>
             </a:r>
           </a:p>
           <a:p>
@@ -9997,14 +9997,11 @@
             </a:r>
           </a:p>
           <a:p>
-            <a:r>
-              <a:rPr lang="en-US" dirty="0">
-                <a:solidFill>
-                  <a:schemeClr val="bg1"/>
-                </a:solidFill>
-              </a:rPr>
-              <a:t>CTECH401_M3_01</a:t>
-            </a:r>
+            <a:endParaRPr lang="en-US" dirty="0">
+              <a:solidFill>
+                <a:schemeClr val="bg1"/>
+              </a:solidFill>
+            </a:endParaRPr>
           </a:p>
           <a:p>
             <a:r>
@@ -10154,7 +10151,7 @@
                   <a:schemeClr val="bg1"/>
                 </a:solidFill>
               </a:rPr>
-              <a:t>CTECH401_M3_02</a:t>
+              <a:t>CTECH401_M3_01</a:t>
             </a:r>
           </a:p>
           <a:p>
@@ -10810,7 +10807,7 @@
                   <a:schemeClr val="bg1"/>
                 </a:solidFill>
               </a:rPr>
-              <a:t>CTECH401_M3_03</a:t>
+              <a:t>CTECH401_M3_02</a:t>
             </a:r>
           </a:p>
           <a:p>
@@ -12190,7 +12187,7 @@
                   <a:schemeClr val="bg1"/>
                 </a:solidFill>
               </a:rPr>
-              <a:t>CTECH401_M3_04</a:t>
+              <a:t>CTECH401_M3_03</a:t>
             </a:r>
           </a:p>
           <a:p>
@@ -13134,14 +13131,11 @@
             </a:r>
           </a:p>
           <a:p>
-            <a:r>
-              <a:rPr lang="en-US" dirty="0">
-                <a:solidFill>
-                  <a:schemeClr val="bg1"/>
-                </a:solidFill>
-              </a:rPr>
-              <a:t>CTECH401_M4_01</a:t>
-            </a:r>
+            <a:endParaRPr lang="en-US" dirty="0">
+              <a:solidFill>
+                <a:schemeClr val="bg1"/>
+              </a:solidFill>
+            </a:endParaRPr>
           </a:p>
           <a:p>
             <a:r>
@@ -13321,7 +13315,7 @@
                   <a:schemeClr val="bg1"/>
                 </a:solidFill>
               </a:rPr>
-              <a:t>CTECH401_M4_02</a:t>
+              <a:t>CTECH401_M4_01</a:t>
             </a:r>
           </a:p>
           <a:p>
@@ -13331,7 +13325,7 @@
                   <a:schemeClr val="bg1"/>
                 </a:solidFill>
               </a:rPr>
-              <a:t>If Statements</a:t>
+              <a:t>Basic If Statements</a:t>
             </a:r>
           </a:p>
         </p:txBody>
@@ -13803,7 +13797,7 @@
                   <a:schemeClr val="bg1"/>
                 </a:solidFill>
               </a:rPr>
-              <a:t>CTECH401_M1_03</a:t>
+              <a:t>CTECH401_M1_02</a:t>
             </a:r>
           </a:p>
           <a:p>
@@ -14730,7 +14724,7 @@
                   <a:schemeClr val="bg1"/>
                 </a:solidFill>
               </a:rPr>
-              <a:t>CTECH401_M4_03</a:t>
+              <a:t>CTECH401_M4_02</a:t>
             </a:r>
           </a:p>
           <a:p>
@@ -15581,7 +15575,7 @@
                   <a:schemeClr val="bg1"/>
                 </a:solidFill>
               </a:rPr>
-              <a:t>CTECH401_M4_04</a:t>
+              <a:t>CTECH401_M4_03</a:t>
             </a:r>
           </a:p>
           <a:p>
@@ -16671,7 +16665,7 @@
                   <a:schemeClr val="bg1"/>
                 </a:solidFill>
               </a:rPr>
-              <a:t>CTECH401_M4_05</a:t>
+              <a:t>CTECH401_M4_04</a:t>
             </a:r>
           </a:p>
           <a:p>
@@ -18082,7 +18076,7 @@
                   <a:schemeClr val="bg1"/>
                 </a:solidFill>
               </a:rPr>
-              <a:t>CTECH401_M4_06</a:t>
+              <a:t>CTECH401_M4_05</a:t>
             </a:r>
           </a:p>
           <a:p>
@@ -18092,7 +18086,7 @@
                   <a:schemeClr val="bg1"/>
                 </a:solidFill>
               </a:rPr>
-              <a:t>Else</a:t>
+              <a:t>Else Statements</a:t>
             </a:r>
           </a:p>
         </p:txBody>
@@ -20384,7 +20378,7 @@
                   <a:schemeClr val="bg1"/>
                 </a:solidFill>
               </a:rPr>
-              <a:t>CTECH401_M4_07</a:t>
+              <a:t>CTECH401_M4_06</a:t>
             </a:r>
           </a:p>
           <a:p>
@@ -20471,7 +20465,7 @@
                   <a:schemeClr val="bg1"/>
                 </a:solidFill>
               </a:rPr>
-              <a:t>CTECH401_M1_04</a:t>
+              <a:t>CTECH401_M1_03</a:t>
             </a:r>
           </a:p>
           <a:p>
@@ -25636,7 +25630,7 @@
                   <a:schemeClr val="bg1"/>
                 </a:solidFill>
               </a:rPr>
-              <a:t>CTECH401_M1_05</a:t>
+              <a:t>CTECH401_M1_04</a:t>
             </a:r>
           </a:p>
           <a:p>
@@ -25898,14 +25892,11 @@
             </a:r>
           </a:p>
           <a:p>
-            <a:r>
-              <a:rPr lang="en-US" dirty="0">
-                <a:solidFill>
-                  <a:schemeClr val="bg1"/>
-                </a:solidFill>
-              </a:rPr>
-              <a:t>CTECH401_M1_01</a:t>
-            </a:r>
+            <a:endParaRPr lang="en-US" dirty="0">
+              <a:solidFill>
+                <a:schemeClr val="bg1"/>
+              </a:solidFill>
+            </a:endParaRPr>
           </a:p>
           <a:p>
             <a:r>
@@ -26596,7 +26587,7 @@
                   <a:schemeClr val="bg1"/>
                 </a:solidFill>
               </a:rPr>
-              <a:t>CTECH401_M1_06</a:t>
+              <a:t>CTECH401_M1_05</a:t>
             </a:r>
           </a:p>
           <a:p>
@@ -26606,7 +26597,7 @@
                   <a:schemeClr val="bg1"/>
                 </a:solidFill>
               </a:rPr>
-              <a:t>Everything is bits: text</a:t>
+              <a:t>Everything is bits: Text</a:t>
             </a:r>
           </a:p>
         </p:txBody>
@@ -27399,7 +27390,7 @@
                   <a:schemeClr val="bg1"/>
                 </a:solidFill>
               </a:rPr>
-              <a:t>CTECH401_M1_07</a:t>
+              <a:t>CTECH401_M1_06</a:t>
             </a:r>
           </a:p>
           <a:p>
@@ -27726,7 +27717,7 @@
                   <a:schemeClr val="bg1"/>
                 </a:solidFill>
               </a:rPr>
-              <a:t>CTECH401_M1_02</a:t>
+              <a:t>CTECH401_M1_01</a:t>
             </a:r>
           </a:p>
           <a:p>
@@ -29242,14 +29233,11 @@
             </a:r>
           </a:p>
           <a:p>
-            <a:r>
-              <a:rPr lang="en-US" dirty="0">
-                <a:solidFill>
-                  <a:schemeClr val="bg1"/>
-                </a:solidFill>
-              </a:rPr>
-              <a:t>CTECH401_M2_01</a:t>
-            </a:r>
+            <a:endParaRPr lang="en-US" dirty="0">
+              <a:solidFill>
+                <a:schemeClr val="bg1"/>
+              </a:solidFill>
+            </a:endParaRPr>
           </a:p>
           <a:p>
             <a:r>
@@ -29393,7 +29381,7 @@
                   <a:schemeClr val="bg1"/>
                 </a:solidFill>
               </a:rPr>
-              <a:t>CTECH401_M2_02</a:t>
+              <a:t>CTECH401_M2_01</a:t>
             </a:r>
           </a:p>
           <a:p>
@@ -30177,7 +30165,7 @@
                   <a:schemeClr val="bg1"/>
                 </a:solidFill>
               </a:rPr>
-              <a:t>CTECH401_M2_03</a:t>
+              <a:t>CTECH401_M2_02</a:t>
             </a:r>
           </a:p>
           <a:p>
@@ -30959,7 +30947,7 @@
                   <a:schemeClr val="bg1"/>
                 </a:solidFill>
               </a:rPr>
-              <a:t>CTECH401_M2_04</a:t>
+              <a:t>CTECH401_M2_03</a:t>
             </a:r>
           </a:p>
           <a:p>
